--- a/발표자료.pptx
+++ b/발표자료.pptx
@@ -4314,7 +4314,7 @@
               <a:rPr lang="ko-KR" altLang="en-US" smtClean="0">
                 <a:latin typeface="+mj-lt"/>
               </a:rPr>
-              <a:t>2022-11-12</a:t>
+              <a:t>2022-11-15</a:t>
             </a:fld>
             <a:endParaRPr lang="ko-KR" altLang="en-US" dirty="0">
               <a:latin typeface="+mj-lt"/>
@@ -4495,7 +4495,7 @@
             <a:fld id="{C8C1DB09-50C6-4917-B352-F3C3284AAE69}" type="datetime1">
               <a:rPr lang="ko-KR" altLang="en-US" smtClean="0"/>
               <a:pPr/>
-              <a:t>2022-11-12</a:t>
+              <a:t>2022-11-15</a:t>
             </a:fld>
             <a:endParaRPr lang="ko-KR" altLang="en-US" dirty="0"/>
           </a:p>
@@ -19516,7 +19516,12 @@
             <p:ph type="title"/>
           </p:nvPr>
         </p:nvSpPr>
-        <p:spPr/>
+        <p:spPr>
+          <a:xfrm>
+            <a:off x="539496" y="0"/>
+            <a:ext cx="5806440" cy="1325880"/>
+          </a:xfrm>
+        </p:spPr>
         <p:txBody>
           <a:bodyPr rtlCol="0"/>
           <a:lstStyle/>
@@ -19871,7 +19876,7 @@
         </p:nvSpPr>
         <p:spPr>
           <a:xfrm>
-            <a:off x="539308" y="365125"/>
+            <a:off x="539308" y="0"/>
             <a:ext cx="7138201" cy="1325563"/>
           </a:xfrm>
         </p:spPr>
@@ -19935,14 +19940,149 @@
         </p:blipFill>
         <p:spPr>
           <a:xfrm>
-            <a:off x="646262" y="1933125"/>
-            <a:ext cx="6172200" cy="3457575"/>
+            <a:off x="539308" y="1227517"/>
+            <a:ext cx="4203222" cy="2354583"/>
           </a:xfrm>
           <a:prstGeom prst="rect">
             <a:avLst/>
           </a:prstGeom>
         </p:spPr>
       </p:pic>
+      <p:pic>
+        <p:nvPicPr>
+          <p:cNvPr id="3" name="그림 2">
+            <a:extLst>
+              <a:ext uri="{FF2B5EF4-FFF2-40B4-BE49-F238E27FC236}">
+                <a16:creationId xmlns:a16="http://schemas.microsoft.com/office/drawing/2014/main" id="{F33D6AF9-07DA-3888-59AD-C781E2FFAC5B}"/>
+              </a:ext>
+            </a:extLst>
+          </p:cNvPr>
+          <p:cNvPicPr>
+            <a:picLocks noChangeAspect="1"/>
+          </p:cNvPicPr>
+          <p:nvPr/>
+        </p:nvPicPr>
+        <p:blipFill>
+          <a:blip r:embed="rId4"/>
+          <a:stretch>
+            <a:fillRect/>
+          </a:stretch>
+        </p:blipFill>
+        <p:spPr>
+          <a:xfrm>
+            <a:off x="7677509" y="3951215"/>
+            <a:ext cx="3853874" cy="2752145"/>
+          </a:xfrm>
+          <a:prstGeom prst="rect">
+            <a:avLst/>
+          </a:prstGeom>
+        </p:spPr>
+      </p:pic>
+      <p:sp>
+        <p:nvSpPr>
+          <p:cNvPr id="6" name="TextBox 5">
+            <a:extLst>
+              <a:ext uri="{FF2B5EF4-FFF2-40B4-BE49-F238E27FC236}">
+                <a16:creationId xmlns:a16="http://schemas.microsoft.com/office/drawing/2014/main" id="{AA1FB0FA-7803-7326-D5FA-00ED6DBA3A0A}"/>
+              </a:ext>
+            </a:extLst>
+          </p:cNvPr>
+          <p:cNvSpPr txBox="1"/>
+          <p:nvPr/>
+        </p:nvSpPr>
+        <p:spPr>
+          <a:xfrm>
+            <a:off x="5801195" y="1133927"/>
+            <a:ext cx="4739780" cy="646331"/>
+          </a:xfrm>
+          <a:prstGeom prst="rect">
+            <a:avLst/>
+          </a:prstGeom>
+          <a:noFill/>
+        </p:spPr>
+        <p:txBody>
+          <a:bodyPr wrap="square" rtlCol="0">
+            <a:spAutoFit/>
+          </a:bodyPr>
+          <a:lstStyle/>
+          <a:p>
+            <a:r>
+              <a:rPr lang="en-US" altLang="ko-KR" dirty="0"/>
+              <a:t>1. </a:t>
+            </a:r>
+            <a:r>
+              <a:rPr lang="ko-KR" altLang="en-US" dirty="0"/>
+              <a:t>학생 플레이어들은 교수에게 잡히지 않고</a:t>
+            </a:r>
+            <a:endParaRPr lang="en-US" altLang="ko-KR" dirty="0"/>
+          </a:p>
+          <a:p>
+            <a:r>
+              <a:rPr lang="en-US" altLang="ko-KR" dirty="0"/>
+              <a:t>    </a:t>
+            </a:r>
+            <a:r>
+              <a:rPr lang="ko-KR" altLang="en-US" dirty="0"/>
+              <a:t>모든 노트북을 해킹하여 탈출구를 개방</a:t>
+            </a:r>
+          </a:p>
+        </p:txBody>
+      </p:sp>
+      <p:sp>
+        <p:nvSpPr>
+          <p:cNvPr id="7" name="TextBox 6">
+            <a:extLst>
+              <a:ext uri="{FF2B5EF4-FFF2-40B4-BE49-F238E27FC236}">
+                <a16:creationId xmlns:a16="http://schemas.microsoft.com/office/drawing/2014/main" id="{B2F3119C-3D25-D9EB-9BFF-5644893E0753}"/>
+              </a:ext>
+            </a:extLst>
+          </p:cNvPr>
+          <p:cNvSpPr txBox="1"/>
+          <p:nvPr/>
+        </p:nvSpPr>
+        <p:spPr>
+          <a:xfrm>
+            <a:off x="1865647" y="4168864"/>
+            <a:ext cx="4737192" cy="646331"/>
+          </a:xfrm>
+          <a:prstGeom prst="rect">
+            <a:avLst/>
+          </a:prstGeom>
+          <a:noFill/>
+        </p:spPr>
+        <p:txBody>
+          <a:bodyPr wrap="square" rtlCol="0">
+            <a:spAutoFit/>
+          </a:bodyPr>
+          <a:lstStyle/>
+          <a:p>
+            <a:r>
+              <a:rPr lang="en-US" altLang="ko-KR" dirty="0"/>
+              <a:t>2. </a:t>
+            </a:r>
+            <a:r>
+              <a:rPr lang="ko-KR" altLang="en-US" dirty="0"/>
+              <a:t>탈출구로 시간안에 모두 탈출하면 학생 </a:t>
+            </a:r>
+            <a:endParaRPr lang="en-US" altLang="ko-KR" dirty="0"/>
+          </a:p>
+          <a:p>
+            <a:r>
+              <a:rPr lang="en-US" altLang="ko-KR" dirty="0"/>
+              <a:t>    </a:t>
+            </a:r>
+            <a:r>
+              <a:rPr lang="ko-KR" altLang="en-US" dirty="0"/>
+              <a:t>플레이어 승리</a:t>
+            </a:r>
+            <a:r>
+              <a:rPr lang="en-US" altLang="ko-KR"/>
+              <a:t>!</a:t>
+            </a:r>
+            <a:endParaRPr lang="ko-KR" altLang="en-US" dirty="0"/>
+          </a:p>
+        </p:txBody>
+      </p:sp>
     </p:spTree>
     <p:extLst>
       <p:ext uri="{BB962C8B-B14F-4D97-AF65-F5344CB8AC3E}">
@@ -21231,10 +21371,15 @@
             <p:ph sz="half" idx="2"/>
           </p:nvPr>
         </p:nvSpPr>
-        <p:spPr/>
+        <p:spPr>
+          <a:xfrm>
+            <a:off x="839788" y="2505075"/>
+            <a:ext cx="5401621" cy="3684588"/>
+          </a:xfrm>
+        </p:spPr>
         <p:txBody>
           <a:bodyPr rtlCol="0">
-            <a:normAutofit fontScale="85000" lnSpcReduction="20000"/>
+            <a:normAutofit fontScale="85000" lnSpcReduction="10000"/>
           </a:bodyPr>
           <a:lstStyle/>
           <a:p>
@@ -23736,21 +23881,21 @@
 </file>
 
 <file path=customXml/item1.xml><?xml version="1.0" encoding="utf-8"?>
+<?mso-contentType ?>
+<FormTemplates xmlns="http://schemas.microsoft.com/sharepoint/v3/contenttype/forms">
+  <Display>DocumentLibraryForm</Display>
+  <Edit>DocumentLibraryForm</Edit>
+  <New>DocumentLibraryForm</New>
+</FormTemplates>
+</file>
+
+<file path=customXml/item2.xml><?xml version="1.0" encoding="utf-8"?>
 <p:properties xmlns:p="http://schemas.microsoft.com/office/2006/metadata/properties" xmlns:xsi="http://www.w3.org/2001/XMLSchema-instance" xmlns:pc="http://schemas.microsoft.com/office/infopath/2007/PartnerControls">
   <documentManagement>
     <Status xmlns="71af3243-3dd4-4a8d-8c0d-dd76da1f02a5">Not started</Status>
     <MediaServiceKeyPoints xmlns="71af3243-3dd4-4a8d-8c0d-dd76da1f02a5" xsi:nil="true"/>
   </documentManagement>
 </p:properties>
-</file>
-
-<file path=customXml/item2.xml><?xml version="1.0" encoding="utf-8"?>
-<?mso-contentType ?>
-<FormTemplates xmlns="http://schemas.microsoft.com/sharepoint/v3/contenttype/forms">
-  <Display>DocumentLibraryForm</Display>
-  <Edit>DocumentLibraryForm</Edit>
-  <New>DocumentLibraryForm</New>
-</FormTemplates>
 </file>
 
 <file path=customXml/item3.xml><?xml version="1.0" encoding="utf-8"?>
@@ -23975,19 +24120,19 @@
 </file>
 
 <file path=customXml/itemProps1.xml><?xml version="1.0" encoding="utf-8"?>
+<ds:datastoreItem xmlns:ds="http://schemas.openxmlformats.org/officeDocument/2006/customXml" ds:itemID="{1A449C04-64B3-4403-94B7-8D2284C38D1B}">
+  <ds:schemaRefs>
+    <ds:schemaRef ds:uri="http://schemas.microsoft.com/sharepoint/v3/contenttype/forms"/>
+  </ds:schemaRefs>
+</ds:datastoreItem>
+</file>
+
+<file path=customXml/itemProps2.xml><?xml version="1.0" encoding="utf-8"?>
 <ds:datastoreItem xmlns:ds="http://schemas.openxmlformats.org/officeDocument/2006/customXml" ds:itemID="{FBDEF148-1770-458F-8F5B-C3D0A278AA97}">
   <ds:schemaRefs>
     <ds:schemaRef ds:uri="http://schemas.microsoft.com/office/2006/metadata/properties"/>
     <ds:schemaRef ds:uri="http://schemas.microsoft.com/office/infopath/2007/PartnerControls"/>
     <ds:schemaRef ds:uri="71af3243-3dd4-4a8d-8c0d-dd76da1f02a5"/>
-  </ds:schemaRefs>
-</ds:datastoreItem>
-</file>
-
-<file path=customXml/itemProps2.xml><?xml version="1.0" encoding="utf-8"?>
-<ds:datastoreItem xmlns:ds="http://schemas.openxmlformats.org/officeDocument/2006/customXml" ds:itemID="{1A449C04-64B3-4403-94B7-8D2284C38D1B}">
-  <ds:schemaRefs>
-    <ds:schemaRef ds:uri="http://schemas.microsoft.com/sharepoint/v3/contenttype/forms"/>
   </ds:schemaRefs>
 </ds:datastoreItem>
 </file>
